--- a/Complimentary Course Content/Module5/Lessons/Module5_Lesson4 Spark MLlib Basic Statistics.pptx
+++ b/Complimentary Course Content/Module5/Lessons/Module5_Lesson4 Spark MLlib Basic Statistics.pptx
@@ -133,7 +133,7 @@
   </p:defaultTextStyle>
   <p:extLst>
     <p:ext uri="{EFAFB233-063F-42B5-8137-9DF3F51BA10A}">
-      <p15:sldGuideLst xmlns:p15="http://schemas.microsoft.com/office/powerpoint/2012/main" xmlns="">
+      <p15:sldGuideLst xmlns="" xmlns:p15="http://schemas.microsoft.com/office/powerpoint/2012/main">
         <p15:guide id="1" orient="horz" pos="2160">
           <p15:clr>
             <a:srgbClr val="A4A3A4"/>
@@ -239,7 +239,7 @@
             <a:fld id="{49B60EF2-7028-489F-85D8-FE86CD7CF2A0}" type="datetimeFigureOut">
               <a:rPr lang="en-US" smtClean="0"/>
               <a:pPr/>
-              <a:t>6/29/16</a:t>
+              <a:t>7/13/16</a:t>
             </a:fld>
             <a:endParaRPr lang="en-US"/>
           </a:p>
@@ -3891,14 +3891,10 @@
               <a:t>computerscience</a:t>
             </a:r>
             <a:r>
-              <a:rPr lang="en-US" altLang="ko-KR" dirty="0" smtClean="0"/>
-              <a:t>/tree/master/Instructor-Led/Module5</a:t>
-            </a:r>
-            <a:r>
               <a:rPr lang="en-US" altLang="ko-KR" smtClean="0"/>
-              <a:t>/Labs</a:t>
-            </a:r>
-            <a:endParaRPr lang="ko-KR" altLang="en-US" dirty="0" smtClean="0"/>
+              <a:t>/tree/master/Complimentary%20Course%20Content/Module5/Labs</a:t>
+            </a:r>
+            <a:endParaRPr lang="ko-KR" altLang="en-US" dirty="0"/>
           </a:p>
         </p:txBody>
       </p:sp>
@@ -5377,7 +5373,7 @@
             <a:fld id="{0459C166-16D3-4A25-A2F8-C51E0E346B22}" type="datetimeFigureOut">
               <a:rPr lang="en-US" smtClean="0"/>
               <a:pPr/>
-              <a:t>6/29/16</a:t>
+              <a:t>7/13/16</a:t>
             </a:fld>
             <a:endParaRPr lang="en-US"/>
           </a:p>
@@ -5746,7 +5742,7 @@
             <a:fld id="{0459C166-16D3-4A25-A2F8-C51E0E346B22}" type="datetimeFigureOut">
               <a:rPr lang="en-US" smtClean="0"/>
               <a:pPr/>
-              <a:t>6/29/16</a:t>
+              <a:t>7/13/16</a:t>
             </a:fld>
             <a:endParaRPr lang="en-US"/>
           </a:p>
@@ -5866,7 +5862,7 @@
             <a:fld id="{0459C166-16D3-4A25-A2F8-C51E0E346B22}" type="datetimeFigureOut">
               <a:rPr lang="en-US" smtClean="0"/>
               <a:pPr/>
-              <a:t>6/29/16</a:t>
+              <a:t>7/13/16</a:t>
             </a:fld>
             <a:endParaRPr lang="en-US"/>
           </a:p>
@@ -6167,7 +6163,7 @@
             <a:fld id="{0459C166-16D3-4A25-A2F8-C51E0E346B22}" type="datetimeFigureOut">
               <a:rPr lang="en-US" smtClean="0"/>
               <a:pPr/>
-              <a:t>6/29/16</a:t>
+              <a:t>7/13/16</a:t>
             </a:fld>
             <a:endParaRPr lang="en-US"/>
           </a:p>
@@ -6446,7 +6442,7 @@
             <a:fld id="{0459C166-16D3-4A25-A2F8-C51E0E346B22}" type="datetimeFigureOut">
               <a:rPr lang="en-US" smtClean="0"/>
               <a:pPr/>
-              <a:t>6/29/16</a:t>
+              <a:t>7/13/16</a:t>
             </a:fld>
             <a:endParaRPr lang="en-US"/>
           </a:p>
@@ -7376,7 +7372,7 @@
             <a:fld id="{0459C166-16D3-4A25-A2F8-C51E0E346B22}" type="datetimeFigureOut">
               <a:rPr lang="en-US" smtClean="0"/>
               <a:pPr/>
-              <a:t>6/29/16</a:t>
+              <a:t>7/13/16</a:t>
             </a:fld>
             <a:endParaRPr lang="en-US"/>
           </a:p>
@@ -7642,7 +7638,7 @@
             <a:fld id="{0459C166-16D3-4A25-A2F8-C51E0E346B22}" type="datetimeFigureOut">
               <a:rPr lang="en-US" smtClean="0"/>
               <a:pPr/>
-              <a:t>6/29/16</a:t>
+              <a:t>7/13/16</a:t>
             </a:fld>
             <a:endParaRPr lang="en-US"/>
           </a:p>
@@ -7962,7 +7958,7 @@
             <a:fld id="{0459C166-16D3-4A25-A2F8-C51E0E346B22}" type="datetimeFigureOut">
               <a:rPr lang="en-US" smtClean="0"/>
               <a:pPr/>
-              <a:t>6/29/16</a:t>
+              <a:t>7/13/16</a:t>
             </a:fld>
             <a:endParaRPr lang="en-US"/>
           </a:p>
@@ -8420,7 +8416,7 @@
             <a:fld id="{0459C166-16D3-4A25-A2F8-C51E0E346B22}" type="datetimeFigureOut">
               <a:rPr lang="en-US" smtClean="0"/>
               <a:pPr/>
-              <a:t>6/29/16</a:t>
+              <a:t>7/13/16</a:t>
             </a:fld>
             <a:endParaRPr lang="en-US"/>
           </a:p>
@@ -9595,7 +9591,7 @@
             <a:fld id="{0459C166-16D3-4A25-A2F8-C51E0E346B22}" type="datetimeFigureOut">
               <a:rPr lang="en-US" smtClean="0"/>
               <a:pPr/>
-              <a:t>6/29/16</a:t>
+              <a:t>7/13/16</a:t>
             </a:fld>
             <a:endParaRPr lang="en-US"/>
           </a:p>
@@ -9809,7 +9805,7 @@
             <a:fld id="{0459C166-16D3-4A25-A2F8-C51E0E346B22}" type="datetimeFigureOut">
               <a:rPr lang="en-US" smtClean="0"/>
               <a:pPr/>
-              <a:t>6/29/16</a:t>
+              <a:t>7/13/16</a:t>
             </a:fld>
             <a:endParaRPr lang="en-US"/>
           </a:p>
@@ -18831,7 +18827,7 @@
   <a:extraClrSchemeLst/>
   <a:extLst>
     <a:ext uri="{05A4C25C-085E-4340-85A3-A5531E510DB2}">
-      <thm15:themeFamily xmlns="" xmlns:thm15="http://schemas.microsoft.com/office/thememl/2012/main" name="Office Theme" id="{62F939B6-93AF-4DB8-9C6B-D6C7DFDC589F}" vid="{4A3C46E8-61CC-4603-A589-7422A47A8E4A}"/>
+      <thm15:themeFamily xmlns:thm15="http://schemas.microsoft.com/office/thememl/2012/main" xmlns="" name="Office Theme" id="{62F939B6-93AF-4DB8-9C6B-D6C7DFDC589F}" vid="{4A3C46E8-61CC-4603-A589-7422A47A8E4A}"/>
     </a:ext>
   </a:extLst>
 </a:theme>
@@ -19126,7 +19122,7 @@
   <a:extraClrSchemeLst/>
   <a:extLst>
     <a:ext uri="{05A4C25C-085E-4340-85A3-A5531E510DB2}">
-      <thm15:themeFamily xmlns:thm15="http://schemas.microsoft.com/office/thememl/2012/main" xmlns="" name="Office Theme" id="{62F939B6-93AF-4DB8-9C6B-D6C7DFDC589F}" vid="{4A3C46E8-61CC-4603-A589-7422A47A8E4A}"/>
+      <thm15:themeFamily xmlns="" xmlns:thm15="http://schemas.microsoft.com/office/thememl/2012/main" name="Office Theme" id="{62F939B6-93AF-4DB8-9C6B-D6C7DFDC589F}" vid="{4A3C46E8-61CC-4603-A589-7422A47A8E4A}"/>
     </a:ext>
   </a:extLst>
 </a:theme>
